--- a/Modules/workspaces/ContentPacks.pptx
+++ b/Modules/workspaces/ContentPacks.pptx
@@ -5,13 +5,14 @@
     <p:sldMasterId id="2147483648" r:id="rId1"/>
   </p:sldMasterIdLst>
   <p:notesMasterIdLst>
-    <p:notesMasterId r:id="rId3"/>
+    <p:notesMasterId r:id="rId4"/>
   </p:notesMasterIdLst>
   <p:handoutMasterIdLst>
-    <p:handoutMasterId r:id="rId4"/>
+    <p:handoutMasterId r:id="rId5"/>
   </p:handoutMasterIdLst>
   <p:sldIdLst>
     <p:sldId id="256" r:id="rId2"/>
+    <p:sldId id="257" r:id="rId3"/>
   </p:sldIdLst>
   <p:sldSz cx="14630400" cy="8229600"/>
   <p:notesSz cx="6858000" cy="9144000"/>
@@ -206,7 +207,7 @@
 <file path=ppt/revisionInfo.xml><?xml version="1.0" encoding="utf-8"?>
 <p1510:revInfo xmlns:a="http://schemas.openxmlformats.org/drawingml/2006/main" xmlns:r="http://schemas.openxmlformats.org/officeDocument/2006/relationships" xmlns:p1510="http://schemas.microsoft.com/office/powerpoint/2015/10/main">
   <p1510:revLst>
-    <p1510:client id="{77374C5D-55AD-4EFF-9C30-1093803C9D4A}" v="2" dt="2019-06-10T14:02:52.698"/>
+    <p1510:client id="{C1A7ABFD-04BC-41D4-8C24-B0370E78A160}" v="1" dt="2019-10-01T12:29:39.901"/>
   </p1510:revLst>
 </p1510:revInfo>
 </file>
@@ -232,6 +233,38 @@
             <pc:docMk/>
             <pc:sldMk cId="323091308" sldId="256"/>
             <ac:spMk id="2" creationId="{689C3425-9968-4A83-84CC-673BE7459FC8}"/>
+          </ac:spMkLst>
+        </pc:spChg>
+      </pc:sldChg>
+    </pc:docChg>
+  </pc:docChgLst>
+  <pc:docChgLst>
+    <pc:chgData name="Stevens, David" userId="73fe415a-d21a-4898-bfab-0e75d37181d7" providerId="ADAL" clId="{C1A7ABFD-04BC-41D4-8C24-B0370E78A160}"/>
+    <pc:docChg chg="addSld modSld">
+      <pc:chgData name="Stevens, David" userId="73fe415a-d21a-4898-bfab-0e75d37181d7" providerId="ADAL" clId="{C1A7ABFD-04BC-41D4-8C24-B0370E78A160}" dt="2019-10-01T12:30:30.062" v="55" actId="20577"/>
+      <pc:docMkLst>
+        <pc:docMk/>
+      </pc:docMkLst>
+      <pc:sldChg chg="modSp add modNotesTx">
+        <pc:chgData name="Stevens, David" userId="73fe415a-d21a-4898-bfab-0e75d37181d7" providerId="ADAL" clId="{C1A7ABFD-04BC-41D4-8C24-B0370E78A160}" dt="2019-10-01T12:30:30.062" v="55" actId="20577"/>
+        <pc:sldMkLst>
+          <pc:docMk/>
+          <pc:sldMk cId="4094756313" sldId="257"/>
+        </pc:sldMkLst>
+        <pc:spChg chg="mod">
+          <ac:chgData name="Stevens, David" userId="73fe415a-d21a-4898-bfab-0e75d37181d7" providerId="ADAL" clId="{C1A7ABFD-04BC-41D4-8C24-B0370E78A160}" dt="2019-10-01T12:29:55.487" v="4" actId="20577"/>
+          <ac:spMkLst>
+            <pc:docMk/>
+            <pc:sldMk cId="4094756313" sldId="257"/>
+            <ac:spMk id="7" creationId="{E28D1CB1-926C-4D89-984E-4CB290290D51}"/>
+          </ac:spMkLst>
+        </pc:spChg>
+        <pc:spChg chg="mod">
+          <ac:chgData name="Stevens, David" userId="73fe415a-d21a-4898-bfab-0e75d37181d7" providerId="ADAL" clId="{C1A7ABFD-04BC-41D4-8C24-B0370E78A160}" dt="2019-10-01T12:29:42.439" v="1" actId="20577"/>
+          <ac:spMkLst>
+            <pc:docMk/>
+            <pc:sldMk cId="4094756313" sldId="257"/>
+            <ac:spMk id="9" creationId="{039CAA75-A223-42E5-A4B6-F2A1BAE2DBE6}"/>
           </ac:spMkLst>
         </pc:spChg>
       </pc:sldChg>
@@ -328,7 +361,7 @@
                 <a:latin typeface="Arial"/>
                 <a:cs typeface="Arial"/>
               </a:rPr>
-              <a:t>6/10/2019</a:t>
+              <a:t>10/1/2019</a:t>
             </a:fld>
             <a:endParaRPr lang="en-US">
               <a:latin typeface="Arial"/>
@@ -513,7 +546,7 @@
             <a:fld id="{73B26A0F-F4D6-9B4F-A87B-D8948CDE3BB4}" type="datetimeFigureOut">
               <a:rPr lang="en-US" smtClean="0"/>
               <a:pPr/>
-              <a:t>6/10/2019</a:t>
+              <a:t>10/1/2019</a:t>
             </a:fld>
             <a:endParaRPr lang="en-US"/>
           </a:p>
@@ -788,6 +821,106 @@
 </p:notesMaster>
 </file>
 
+<file path=ppt/notesSlides/notesSlide1.xml><?xml version="1.0" encoding="utf-8"?>
+<p:notes xmlns:a="http://schemas.openxmlformats.org/drawingml/2006/main" xmlns:r="http://schemas.openxmlformats.org/officeDocument/2006/relationships" xmlns:p="http://schemas.openxmlformats.org/presentationml/2006/main">
+  <p:cSld>
+    <p:spTree>
+      <p:nvGrpSpPr>
+        <p:cNvPr id="1" name=""/>
+        <p:cNvGrpSpPr/>
+        <p:nvPr/>
+      </p:nvGrpSpPr>
+      <p:grpSpPr>
+        <a:xfrm>
+          <a:off x="0" y="0"/>
+          <a:ext cx="0" cy="0"/>
+          <a:chOff x="0" y="0"/>
+          <a:chExt cx="0" cy="0"/>
+        </a:xfrm>
+      </p:grpSpPr>
+      <p:sp>
+        <p:nvSpPr>
+          <p:cNvPr id="2" name="Slide Image Placeholder 1"/>
+          <p:cNvSpPr>
+            <a:spLocks noGrp="1" noRot="1" noChangeAspect="1"/>
+          </p:cNvSpPr>
+          <p:nvPr>
+            <p:ph type="sldImg"/>
+          </p:nvPr>
+        </p:nvSpPr>
+        <p:spPr/>
+      </p:sp>
+      <p:sp>
+        <p:nvSpPr>
+          <p:cNvPr id="3" name="Notes Placeholder 2"/>
+          <p:cNvSpPr>
+            <a:spLocks noGrp="1"/>
+          </p:cNvSpPr>
+          <p:nvPr>
+            <p:ph type="body" idx="1"/>
+          </p:nvPr>
+        </p:nvSpPr>
+        <p:spPr/>
+        <p:txBody>
+          <a:bodyPr/>
+          <a:lstStyle/>
+          <a:p>
+            <a:r>
+              <a:rPr lang="en-GB" dirty="0"/>
+              <a:t>Mass Transport</a:t>
+            </a:r>
+          </a:p>
+          <a:p>
+            <a:r>
+              <a:rPr lang="en-GB" dirty="0"/>
+              <a:t>Rail &amp; Freight</a:t>
+            </a:r>
+          </a:p>
+          <a:p>
+            <a:endParaRPr lang="en-GB" dirty="0"/>
+          </a:p>
+          <a:p>
+            <a:endParaRPr lang="en-GB" dirty="0"/>
+          </a:p>
+        </p:txBody>
+      </p:sp>
+      <p:sp>
+        <p:nvSpPr>
+          <p:cNvPr id="4" name="Slide Number Placeholder 3"/>
+          <p:cNvSpPr>
+            <a:spLocks noGrp="1"/>
+          </p:cNvSpPr>
+          <p:nvPr>
+            <p:ph type="sldNum" sz="quarter" idx="5"/>
+          </p:nvPr>
+        </p:nvSpPr>
+        <p:spPr/>
+        <p:txBody>
+          <a:bodyPr/>
+          <a:lstStyle/>
+          <a:p>
+            <a:fld id="{7DE2E8FF-3D0C-9D4D-B4D1-3089215958A5}" type="slidenum">
+              <a:rPr lang="en-US" smtClean="0"/>
+              <a:pPr/>
+              <a:t>2</a:t>
+            </a:fld>
+            <a:endParaRPr lang="en-US"/>
+          </a:p>
+        </p:txBody>
+      </p:sp>
+    </p:spTree>
+    <p:extLst>
+      <p:ext uri="{BB962C8B-B14F-4D97-AF65-F5344CB8AC3E}">
+        <p14:creationId xmlns:p14="http://schemas.microsoft.com/office/powerpoint/2010/main" val="2946670567"/>
+      </p:ext>
+    </p:extLst>
+  </p:cSld>
+  <p:clrMapOvr>
+    <a:masterClrMapping/>
+  </p:clrMapOvr>
+</p:notes>
+</file>
+
 <file path=ppt/slideLayouts/slideLayout1.xml><?xml version="1.0" encoding="utf-8"?>
 <p:sldLayout xmlns:a="http://schemas.openxmlformats.org/drawingml/2006/main" xmlns:r="http://schemas.openxmlformats.org/officeDocument/2006/relationships" xmlns:p="http://schemas.openxmlformats.org/presentationml/2006/main" showMasterSp="0" preserve="1" userDrawn="1">
   <p:cSld name="Title Slide">
@@ -2157,7 +2290,7 @@
                   <a:spcPts val="0"/>
                 </a:spcBef>
               </a:pPr>
-              <a:t>June 10, 2019</a:t>
+              <a:t>October 1, 2019</a:t>
             </a:fld>
             <a:endParaRPr lang="en-US" sz="1400" b="0" dirty="0">
               <a:solidFill>
@@ -3576,7 +3709,7 @@
                   <a:spcPts val="0"/>
                 </a:spcBef>
               </a:pPr>
-              <a:t>June 10, 2019</a:t>
+              <a:t>October 1, 2019</a:t>
             </a:fld>
             <a:endParaRPr lang="en-US" sz="1400" b="0" dirty="0">
               <a:solidFill>
@@ -6479,7 +6612,7 @@
                   <a:spcPts val="0"/>
                 </a:spcBef>
               </a:pPr>
-              <a:t>June 10, 2019</a:t>
+              <a:t>October 1, 2019</a:t>
             </a:fld>
             <a:endParaRPr lang="en-US" sz="1400" b="0" dirty="0">
               <a:solidFill>
@@ -8000,7 +8133,7 @@
                   <a:spcPts val="0"/>
                 </a:spcBef>
               </a:pPr>
-              <a:t>June 10, 2019</a:t>
+              <a:t>October 1, 2019</a:t>
             </a:fld>
             <a:endParaRPr lang="en-US" sz="1400" b="0" dirty="0">
               <a:solidFill>
@@ -9444,7 +9577,7 @@
                   <a:spcPts val="0"/>
                 </a:spcBef>
               </a:pPr>
-              <a:t>June 10, 2019</a:t>
+              <a:t>October 1, 2019</a:t>
             </a:fld>
             <a:endParaRPr lang="en-US" sz="1400" b="0" dirty="0">
               <a:solidFill>
@@ -11686,7 +11819,7 @@
                   <a:spcPts val="0"/>
                 </a:spcBef>
               </a:pPr>
-              <a:t>June 10, 2019</a:t>
+              <a:t>October 1, 2019</a:t>
             </a:fld>
             <a:endParaRPr lang="en-US" sz="1400" b="0" dirty="0">
               <a:solidFill>
@@ -13173,7 +13306,7 @@
                   <a:spcPct val="50000"/>
                 </a:spcBef>
               </a:pPr>
-              <a:t>June 10, 2019</a:t>
+              <a:t>October 1, 2019</a:t>
             </a:fld>
             <a:endParaRPr lang="en-US" sz="1100" b="0" dirty="0">
               <a:solidFill>
@@ -14925,7 +15058,7 @@
                   <a:spcPct val="50000"/>
                 </a:spcBef>
               </a:pPr>
-              <a:t>June 10, 2019</a:t>
+              <a:t>October 1, 2019</a:t>
             </a:fld>
             <a:endParaRPr lang="en-US" sz="1100" b="0" dirty="0">
               <a:solidFill>
@@ -16558,7 +16691,7 @@
                   <a:spcPts val="0"/>
                 </a:spcBef>
               </a:pPr>
-              <a:t>June 10, 2019</a:t>
+              <a:t>October 1, 2019</a:t>
             </a:fld>
             <a:endParaRPr lang="en-US" sz="1100" b="0" dirty="0">
               <a:solidFill>
@@ -17956,7 +18089,7 @@
                   <a:spcPts val="0"/>
                 </a:spcBef>
               </a:pPr>
-              <a:t>June 10, 2019</a:t>
+              <a:t>October 1, 2019</a:t>
             </a:fld>
             <a:endParaRPr lang="en-US" sz="1100" b="0" dirty="0">
               <a:solidFill>
@@ -19392,7 +19525,7 @@
                   <a:spcPct val="50000"/>
                 </a:spcBef>
               </a:pPr>
-              <a:t>June 10, 2019</a:t>
+              <a:t>October 1, 2019</a:t>
             </a:fld>
             <a:endParaRPr lang="en-US" sz="1100" b="0" dirty="0">
               <a:solidFill>
@@ -22305,7 +22438,7 @@
                   <a:spcPts val="0"/>
                 </a:spcBef>
               </a:pPr>
-              <a:t>June 10, 2019</a:t>
+              <a:t>October 1, 2019</a:t>
             </a:fld>
             <a:endParaRPr lang="en-US" sz="1400" b="0" dirty="0">
               <a:solidFill>
@@ -23865,7 +23998,7 @@
                   <a:spcPts val="0"/>
                 </a:spcBef>
               </a:pPr>
-              <a:t>June 10, 2019</a:t>
+              <a:t>October 1, 2019</a:t>
             </a:fld>
             <a:endParaRPr lang="en-US" sz="1400" b="0" dirty="0">
               <a:solidFill>
@@ -25395,7 +25528,7 @@
                   <a:spcPts val="0"/>
                 </a:spcBef>
               </a:pPr>
-              <a:t>June 10, 2019</a:t>
+              <a:t>October 1, 2019</a:t>
             </a:fld>
             <a:endParaRPr lang="en-US" sz="1400" b="0" dirty="0">
               <a:solidFill>
@@ -26839,7 +26972,7 @@
                   <a:spcPts val="0"/>
                 </a:spcBef>
               </a:pPr>
-              <a:t>June 10, 2019</a:t>
+              <a:t>October 1, 2019</a:t>
             </a:fld>
             <a:endParaRPr lang="en-US" sz="1400" b="0" dirty="0">
               <a:solidFill>
@@ -28360,7 +28493,7 @@
                   <a:spcPts val="0"/>
                 </a:spcBef>
               </a:pPr>
-              <a:t>June 10, 2019</a:t>
+              <a:t>October 1, 2019</a:t>
             </a:fld>
             <a:endParaRPr lang="en-US" sz="1400" b="0" dirty="0">
               <a:solidFill>
@@ -29806,7 +29939,7 @@
                   <a:spcPts val="0"/>
                 </a:spcBef>
               </a:pPr>
-              <a:t>June 10, 2019</a:t>
+              <a:t>October 1, 2019</a:t>
             </a:fld>
             <a:endParaRPr lang="en-US" sz="1400" b="0" dirty="0">
               <a:solidFill>
@@ -31220,7 +31353,7 @@
                   <a:spcPts val="0"/>
                 </a:spcBef>
               </a:pPr>
-              <a:t>June 10, 2019</a:t>
+              <a:t>October 1, 2019</a:t>
             </a:fld>
             <a:endParaRPr lang="en-US" sz="1400" b="0" dirty="0">
               <a:solidFill>
@@ -32419,7 +32552,7 @@
                   <a:spcPts val="0"/>
                 </a:spcBef>
               </a:pPr>
-              <a:t>June 10, 2019</a:t>
+              <a:t>October 1, 2019</a:t>
             </a:fld>
             <a:endParaRPr lang="en-US" sz="1100" b="0" dirty="0">
               <a:solidFill>
@@ -33568,6 +33701,587 @@
     <p:extLst>
       <p:ext uri="{BB962C8B-B14F-4D97-AF65-F5344CB8AC3E}">
         <p14:creationId xmlns:p14="http://schemas.microsoft.com/office/powerpoint/2010/main" val="323091308"/>
+      </p:ext>
+    </p:extLst>
+  </p:cSld>
+  <p:clrMapOvr>
+    <a:masterClrMapping/>
+  </p:clrMapOvr>
+  <mc:AlternateContent xmlns:mc="http://schemas.openxmlformats.org/markup-compatibility/2006" xmlns:p14="http://schemas.microsoft.com/office/powerpoint/2010/main">
+    <mc:Choice Requires="p14">
+      <p:transition spd="med" p14:dur="700">
+        <p:fade/>
+      </p:transition>
+    </mc:Choice>
+    <mc:Fallback xmlns="">
+      <p:transition spd="med">
+        <p:fade/>
+      </p:transition>
+    </mc:Fallback>
+  </mc:AlternateContent>
+</p:sld>
+</file>
+
+<file path=ppt/slides/slide2.xml><?xml version="1.0" encoding="utf-8"?>
+<p:sld xmlns:a="http://schemas.openxmlformats.org/drawingml/2006/main" xmlns:r="http://schemas.openxmlformats.org/officeDocument/2006/relationships" xmlns:p="http://schemas.openxmlformats.org/presentationml/2006/main">
+  <p:cSld>
+    <p:spTree>
+      <p:nvGrpSpPr>
+        <p:cNvPr id="1" name=""/>
+        <p:cNvGrpSpPr/>
+        <p:nvPr/>
+      </p:nvGrpSpPr>
+      <p:grpSpPr>
+        <a:xfrm>
+          <a:off x="0" y="0"/>
+          <a:ext cx="0" cy="0"/>
+          <a:chOff x="0" y="0"/>
+          <a:chExt cx="0" cy="0"/>
+        </a:xfrm>
+      </p:grpSpPr>
+      <p:sp>
+        <p:nvSpPr>
+          <p:cNvPr id="2" name="Rectangle 1">
+            <a:extLst>
+              <a:ext uri="{FF2B5EF4-FFF2-40B4-BE49-F238E27FC236}">
+                <a16:creationId xmlns:a16="http://schemas.microsoft.com/office/drawing/2014/main" id="{689C3425-9968-4A83-84CC-673BE7459FC8}"/>
+              </a:ext>
+            </a:extLst>
+          </p:cNvPr>
+          <p:cNvSpPr/>
+          <p:nvPr/>
+        </p:nvSpPr>
+        <p:spPr>
+          <a:xfrm>
+            <a:off x="0" y="0"/>
+            <a:ext cx="14630400" cy="8229600"/>
+          </a:xfrm>
+          <a:prstGeom prst="rect">
+            <a:avLst/>
+          </a:prstGeom>
+          <a:solidFill>
+            <a:schemeClr val="bg1"/>
+          </a:solidFill>
+          <a:ln>
+            <a:noFill/>
+          </a:ln>
+        </p:spPr>
+        <p:style>
+          <a:lnRef idx="0">
+            <a:schemeClr val="accent1"/>
+          </a:lnRef>
+          <a:fillRef idx="1">
+            <a:schemeClr val="accent1"/>
+          </a:fillRef>
+          <a:effectRef idx="0">
+            <a:schemeClr val="accent1"/>
+          </a:effectRef>
+          <a:fontRef idx="minor">
+            <a:schemeClr val="lt1"/>
+          </a:fontRef>
+        </p:style>
+        <p:txBody>
+          <a:bodyPr rtlCol="0" anchor="ctr"/>
+          <a:lstStyle/>
+          <a:p>
+            <a:pPr algn="ctr"/>
+            <a:endParaRPr lang="en-GB"/>
+          </a:p>
+        </p:txBody>
+      </p:sp>
+      <p:grpSp>
+        <p:nvGrpSpPr>
+          <p:cNvPr id="13" name="Group 12">
+            <a:extLst>
+              <a:ext uri="{FF2B5EF4-FFF2-40B4-BE49-F238E27FC236}">
+                <a16:creationId xmlns:a16="http://schemas.microsoft.com/office/drawing/2014/main" id="{FF9AFEEA-AABD-4AB9-88BE-AC0DACEB9AAB}"/>
+              </a:ext>
+            </a:extLst>
+          </p:cNvPr>
+          <p:cNvGrpSpPr/>
+          <p:nvPr/>
+        </p:nvGrpSpPr>
+        <p:grpSpPr>
+          <a:xfrm>
+            <a:off x="1087973" y="2797424"/>
+            <a:ext cx="12454453" cy="4146597"/>
+            <a:chOff x="953729" y="2399071"/>
+            <a:chExt cx="12964344" cy="4316361"/>
+          </a:xfrm>
+        </p:grpSpPr>
+        <p:sp>
+          <p:nvSpPr>
+            <p:cNvPr id="12" name="Rectangle 11">
+              <a:extLst>
+                <a:ext uri="{FF2B5EF4-FFF2-40B4-BE49-F238E27FC236}">
+                  <a16:creationId xmlns:a16="http://schemas.microsoft.com/office/drawing/2014/main" id="{069DC88B-6D9F-487E-A612-98C429570AC8}"/>
+                </a:ext>
+              </a:extLst>
+            </p:cNvPr>
+            <p:cNvSpPr/>
+            <p:nvPr/>
+          </p:nvSpPr>
+          <p:spPr>
+            <a:xfrm>
+              <a:off x="5212795" y="2399071"/>
+              <a:ext cx="8705278" cy="4316361"/>
+            </a:xfrm>
+            <a:prstGeom prst="rect">
+              <a:avLst/>
+            </a:prstGeom>
+            <a:solidFill>
+              <a:schemeClr val="bg1"/>
+            </a:solidFill>
+            <a:ln w="76200">
+              <a:solidFill>
+                <a:schemeClr val="accent1"/>
+              </a:solidFill>
+            </a:ln>
+          </p:spPr>
+          <p:style>
+            <a:lnRef idx="0">
+              <a:schemeClr val="accent1"/>
+            </a:lnRef>
+            <a:fillRef idx="1">
+              <a:schemeClr val="accent1"/>
+            </a:fillRef>
+            <a:effectRef idx="0">
+              <a:schemeClr val="accent1"/>
+            </a:effectRef>
+            <a:fontRef idx="minor">
+              <a:schemeClr val="lt1"/>
+            </a:fontRef>
+          </p:style>
+          <p:txBody>
+            <a:bodyPr rtlCol="0" anchor="ctr"/>
+            <a:lstStyle/>
+            <a:p>
+              <a:pPr algn="ctr"/>
+              <a:endParaRPr lang="en-GB"/>
+            </a:p>
+          </p:txBody>
+        </p:sp>
+        <p:sp>
+          <p:nvSpPr>
+            <p:cNvPr id="8" name="Rectangle 7">
+              <a:extLst>
+                <a:ext uri="{FF2B5EF4-FFF2-40B4-BE49-F238E27FC236}">
+                  <a16:creationId xmlns:a16="http://schemas.microsoft.com/office/drawing/2014/main" id="{88C45F75-CD95-4F09-A4D2-B3C828CFDE57}"/>
+                </a:ext>
+              </a:extLst>
+            </p:cNvPr>
+            <p:cNvSpPr/>
+            <p:nvPr/>
+          </p:nvSpPr>
+          <p:spPr>
+            <a:xfrm>
+              <a:off x="953729" y="2399071"/>
+              <a:ext cx="4218039" cy="4316361"/>
+            </a:xfrm>
+            <a:prstGeom prst="rect">
+              <a:avLst/>
+            </a:prstGeom>
+            <a:ln w="76200">
+              <a:solidFill>
+                <a:schemeClr val="accent1"/>
+              </a:solidFill>
+            </a:ln>
+          </p:spPr>
+          <p:style>
+            <a:lnRef idx="0">
+              <a:schemeClr val="accent1"/>
+            </a:lnRef>
+            <a:fillRef idx="1">
+              <a:schemeClr val="accent1"/>
+            </a:fillRef>
+            <a:effectRef idx="0">
+              <a:schemeClr val="accent1"/>
+            </a:effectRef>
+            <a:fontRef idx="minor">
+              <a:schemeClr val="lt1"/>
+            </a:fontRef>
+          </p:style>
+          <p:txBody>
+            <a:bodyPr rtlCol="0" anchor="ctr"/>
+            <a:lstStyle/>
+            <a:p>
+              <a:pPr algn="ctr"/>
+              <a:endParaRPr lang="en-GB"/>
+            </a:p>
+          </p:txBody>
+        </p:sp>
+        <p:sp>
+          <p:nvSpPr>
+            <p:cNvPr id="5" name="Freeform 58">
+              <a:extLst>
+                <a:ext uri="{FF2B5EF4-FFF2-40B4-BE49-F238E27FC236}">
+                  <a16:creationId xmlns:a16="http://schemas.microsoft.com/office/drawing/2014/main" id="{C1F07EF7-2889-4266-BCD5-2684729BC783}"/>
+                </a:ext>
+              </a:extLst>
+            </p:cNvPr>
+            <p:cNvSpPr>
+              <a:spLocks noChangeAspect="1" noEditPoints="1"/>
+            </p:cNvSpPr>
+            <p:nvPr/>
+          </p:nvSpPr>
+          <p:spPr bwMode="auto">
+            <a:xfrm>
+              <a:off x="1553497" y="3173035"/>
+              <a:ext cx="3018504" cy="2768432"/>
+            </a:xfrm>
+            <a:custGeom>
+              <a:avLst/>
+              <a:gdLst>
+                <a:gd name="T0" fmla="*/ 1152 w 1152"/>
+                <a:gd name="T1" fmla="*/ 0 h 1056"/>
+                <a:gd name="T2" fmla="*/ 1152 w 1152"/>
+                <a:gd name="T3" fmla="*/ 192 h 1056"/>
+                <a:gd name="T4" fmla="*/ 0 w 1152"/>
+                <a:gd name="T5" fmla="*/ 192 h 1056"/>
+                <a:gd name="T6" fmla="*/ 0 w 1152"/>
+                <a:gd name="T7" fmla="*/ 0 h 1056"/>
+                <a:gd name="T8" fmla="*/ 1152 w 1152"/>
+                <a:gd name="T9" fmla="*/ 0 h 1056"/>
+                <a:gd name="T10" fmla="*/ 1056 w 1152"/>
+                <a:gd name="T11" fmla="*/ 288 h 1056"/>
+                <a:gd name="T12" fmla="*/ 1056 w 1152"/>
+                <a:gd name="T13" fmla="*/ 1056 h 1056"/>
+                <a:gd name="T14" fmla="*/ 96 w 1152"/>
+                <a:gd name="T15" fmla="*/ 1056 h 1056"/>
+                <a:gd name="T16" fmla="*/ 96 w 1152"/>
+                <a:gd name="T17" fmla="*/ 288 h 1056"/>
+                <a:gd name="T18" fmla="*/ 1056 w 1152"/>
+                <a:gd name="T19" fmla="*/ 288 h 1056"/>
+                <a:gd name="T20" fmla="*/ 864 w 1152"/>
+                <a:gd name="T21" fmla="*/ 576 h 1056"/>
+                <a:gd name="T22" fmla="*/ 768 w 1152"/>
+                <a:gd name="T23" fmla="*/ 480 h 1056"/>
+                <a:gd name="T24" fmla="*/ 384 w 1152"/>
+                <a:gd name="T25" fmla="*/ 480 h 1056"/>
+                <a:gd name="T26" fmla="*/ 288 w 1152"/>
+                <a:gd name="T27" fmla="*/ 576 h 1056"/>
+                <a:gd name="T28" fmla="*/ 384 w 1152"/>
+                <a:gd name="T29" fmla="*/ 672 h 1056"/>
+                <a:gd name="T30" fmla="*/ 768 w 1152"/>
+                <a:gd name="T31" fmla="*/ 672 h 1056"/>
+                <a:gd name="T32" fmla="*/ 864 w 1152"/>
+                <a:gd name="T33" fmla="*/ 576 h 1056"/>
+              </a:gdLst>
+              <a:ahLst/>
+              <a:cxnLst>
+                <a:cxn ang="0">
+                  <a:pos x="T0" y="T1"/>
+                </a:cxn>
+                <a:cxn ang="0">
+                  <a:pos x="T2" y="T3"/>
+                </a:cxn>
+                <a:cxn ang="0">
+                  <a:pos x="T4" y="T5"/>
+                </a:cxn>
+                <a:cxn ang="0">
+                  <a:pos x="T6" y="T7"/>
+                </a:cxn>
+                <a:cxn ang="0">
+                  <a:pos x="T8" y="T9"/>
+                </a:cxn>
+                <a:cxn ang="0">
+                  <a:pos x="T10" y="T11"/>
+                </a:cxn>
+                <a:cxn ang="0">
+                  <a:pos x="T12" y="T13"/>
+                </a:cxn>
+                <a:cxn ang="0">
+                  <a:pos x="T14" y="T15"/>
+                </a:cxn>
+                <a:cxn ang="0">
+                  <a:pos x="T16" y="T17"/>
+                </a:cxn>
+                <a:cxn ang="0">
+                  <a:pos x="T18" y="T19"/>
+                </a:cxn>
+                <a:cxn ang="0">
+                  <a:pos x="T20" y="T21"/>
+                </a:cxn>
+                <a:cxn ang="0">
+                  <a:pos x="T22" y="T23"/>
+                </a:cxn>
+                <a:cxn ang="0">
+                  <a:pos x="T24" y="T25"/>
+                </a:cxn>
+                <a:cxn ang="0">
+                  <a:pos x="T26" y="T27"/>
+                </a:cxn>
+                <a:cxn ang="0">
+                  <a:pos x="T28" y="T29"/>
+                </a:cxn>
+                <a:cxn ang="0">
+                  <a:pos x="T30" y="T31"/>
+                </a:cxn>
+                <a:cxn ang="0">
+                  <a:pos x="T32" y="T33"/>
+                </a:cxn>
+              </a:cxnLst>
+              <a:rect l="0" t="0" r="r" b="b"/>
+              <a:pathLst>
+                <a:path w="1152" h="1056">
+                  <a:moveTo>
+                    <a:pt x="1152" y="0"/>
+                  </a:moveTo>
+                  <a:cubicBezTo>
+                    <a:pt x="1152" y="192"/>
+                    <a:pt x="1152" y="192"/>
+                    <a:pt x="1152" y="192"/>
+                  </a:cubicBezTo>
+                  <a:cubicBezTo>
+                    <a:pt x="0" y="192"/>
+                    <a:pt x="0" y="192"/>
+                    <a:pt x="0" y="192"/>
+                  </a:cubicBezTo>
+                  <a:cubicBezTo>
+                    <a:pt x="0" y="0"/>
+                    <a:pt x="0" y="0"/>
+                    <a:pt x="0" y="0"/>
+                  </a:cubicBezTo>
+                  <a:lnTo>
+                    <a:pt x="1152" y="0"/>
+                  </a:lnTo>
+                  <a:close/>
+                  <a:moveTo>
+                    <a:pt x="1056" y="288"/>
+                  </a:moveTo>
+                  <a:cubicBezTo>
+                    <a:pt x="1056" y="1056"/>
+                    <a:pt x="1056" y="1056"/>
+                    <a:pt x="1056" y="1056"/>
+                  </a:cubicBezTo>
+                  <a:cubicBezTo>
+                    <a:pt x="96" y="1056"/>
+                    <a:pt x="96" y="1056"/>
+                    <a:pt x="96" y="1056"/>
+                  </a:cubicBezTo>
+                  <a:cubicBezTo>
+                    <a:pt x="96" y="288"/>
+                    <a:pt x="96" y="288"/>
+                    <a:pt x="96" y="288"/>
+                  </a:cubicBezTo>
+                  <a:lnTo>
+                    <a:pt x="1056" y="288"/>
+                  </a:lnTo>
+                  <a:close/>
+                  <a:moveTo>
+                    <a:pt x="864" y="576"/>
+                  </a:moveTo>
+                  <a:cubicBezTo>
+                    <a:pt x="864" y="523"/>
+                    <a:pt x="821" y="480"/>
+                    <a:pt x="768" y="480"/>
+                  </a:cubicBezTo>
+                  <a:cubicBezTo>
+                    <a:pt x="384" y="480"/>
+                    <a:pt x="384" y="480"/>
+                    <a:pt x="384" y="480"/>
+                  </a:cubicBezTo>
+                  <a:cubicBezTo>
+                    <a:pt x="331" y="480"/>
+                    <a:pt x="288" y="523"/>
+                    <a:pt x="288" y="576"/>
+                  </a:cubicBezTo>
+                  <a:cubicBezTo>
+                    <a:pt x="288" y="629"/>
+                    <a:pt x="331" y="672"/>
+                    <a:pt x="384" y="672"/>
+                  </a:cubicBezTo>
+                  <a:cubicBezTo>
+                    <a:pt x="768" y="672"/>
+                    <a:pt x="768" y="672"/>
+                    <a:pt x="768" y="672"/>
+                  </a:cubicBezTo>
+                  <a:cubicBezTo>
+                    <a:pt x="821" y="672"/>
+                    <a:pt x="864" y="629"/>
+                    <a:pt x="864" y="576"/>
+                  </a:cubicBezTo>
+                  <a:close/>
+                </a:path>
+              </a:pathLst>
+            </a:custGeom>
+            <a:solidFill>
+              <a:schemeClr val="bg1"/>
+            </a:solidFill>
+            <a:ln>
+              <a:noFill/>
+            </a:ln>
+          </p:spPr>
+          <p:txBody>
+            <a:bodyPr vert="horz" wrap="square" lIns="45720" tIns="45720" rIns="45720" bIns="45720" numCol="1" anchor="t" anchorCtr="0" compatLnSpc="1">
+              <a:prstTxWarp prst="textNoShape">
+                <a:avLst/>
+              </a:prstTxWarp>
+            </a:bodyPr>
+            <a:lstStyle/>
+            <a:p>
+              <a:endParaRPr lang="en-GB">
+                <a:latin typeface="GT Walsheim Pro Bold" panose="00000800000000000000" pitchFamily="50" charset="0"/>
+              </a:endParaRPr>
+            </a:p>
+          </p:txBody>
+        </p:sp>
+        <p:sp>
+          <p:nvSpPr>
+            <p:cNvPr id="7" name="TextBox 6">
+              <a:extLst>
+                <a:ext uri="{FF2B5EF4-FFF2-40B4-BE49-F238E27FC236}">
+                  <a16:creationId xmlns:a16="http://schemas.microsoft.com/office/drawing/2014/main" id="{E28D1CB1-926C-4D89-984E-4CB290290D51}"/>
+                </a:ext>
+              </a:extLst>
+            </p:cNvPr>
+            <p:cNvSpPr txBox="1"/>
+            <p:nvPr/>
+          </p:nvSpPr>
+          <p:spPr>
+            <a:xfrm>
+              <a:off x="5447071" y="2954656"/>
+              <a:ext cx="8229600" cy="2710391"/>
+            </a:xfrm>
+            <a:prstGeom prst="rect">
+              <a:avLst/>
+            </a:prstGeom>
+            <a:noFill/>
+          </p:spPr>
+          <p:txBody>
+            <a:bodyPr wrap="square" rtlCol="0">
+              <a:spAutoFit/>
+            </a:bodyPr>
+            <a:lstStyle/>
+            <a:p>
+              <a:r>
+                <a:rPr lang="en-GB" dirty="0">
+                  <a:latin typeface="GT Walsheim Pro Bold" panose="00000800000000000000" pitchFamily="50" charset="0"/>
+                </a:rPr>
+                <a:t>Shared Workspaces available for the:</a:t>
+              </a:r>
+            </a:p>
+            <a:p>
+              <a:endParaRPr lang="en-GB" dirty="0">
+                <a:latin typeface="GT Walsheim Pro Bold" panose="00000800000000000000" pitchFamily="50" charset="0"/>
+              </a:endParaRPr>
+            </a:p>
+            <a:p>
+              <a:pPr marL="457200" indent="-457200">
+                <a:buFont typeface="Arial" panose="020B0604020202020204" pitchFamily="34" charset="0"/>
+                <a:buChar char="•"/>
+              </a:pPr>
+              <a:r>
+                <a:rPr lang="en-GB" dirty="0">
+                  <a:latin typeface="GT Walsheim Pro Bold" panose="00000800000000000000" pitchFamily="50" charset="0"/>
+                </a:rPr>
+                <a:t>DXC Industry Primers</a:t>
+              </a:r>
+            </a:p>
+            <a:p>
+              <a:endParaRPr lang="en-GB" dirty="0">
+                <a:latin typeface="GT Walsheim Pro Bold" panose="00000800000000000000" pitchFamily="50" charset="0"/>
+              </a:endParaRPr>
+            </a:p>
+            <a:p>
+              <a:pPr algn="ctr"/>
+              <a:r>
+                <a:rPr lang="en-GB" sz="2400" dirty="0">
+                  <a:latin typeface="GT Walsheim Pro Bold" panose="00000800000000000000" pitchFamily="50" charset="0"/>
+                </a:rPr>
+                <a:t>Use these today as trusted content in the </a:t>
+              </a:r>
+              <a:br>
+                <a:rPr lang="en-GB" sz="2400" dirty="0">
+                  <a:latin typeface="GT Walsheim Pro Bold" panose="00000800000000000000" pitchFamily="50" charset="0"/>
+                </a:rPr>
+              </a:br>
+              <a:r>
+                <a:rPr lang="en-GB" sz="2400" u="sng" dirty="0">
+                  <a:latin typeface="GT Walsheim Pro Bold" panose="00000800000000000000" pitchFamily="50" charset="0"/>
+                </a:rPr>
+                <a:t>Workspace Compare </a:t>
+              </a:r>
+              <a:r>
+                <a:rPr lang="en-GB" sz="2400" dirty="0">
+                  <a:latin typeface="GT Walsheim Pro Bold" panose="00000800000000000000" pitchFamily="50" charset="0"/>
+                </a:rPr>
+                <a:t>feature</a:t>
+              </a:r>
+            </a:p>
+          </p:txBody>
+        </p:sp>
+      </p:grpSp>
+      <p:sp>
+        <p:nvSpPr>
+          <p:cNvPr id="9" name="Rectangle 8">
+            <a:extLst>
+              <a:ext uri="{FF2B5EF4-FFF2-40B4-BE49-F238E27FC236}">
+                <a16:creationId xmlns:a16="http://schemas.microsoft.com/office/drawing/2014/main" id="{039CAA75-A223-42E5-A4B6-F2A1BAE2DBE6}"/>
+              </a:ext>
+            </a:extLst>
+          </p:cNvPr>
+          <p:cNvSpPr/>
+          <p:nvPr/>
+        </p:nvSpPr>
+        <p:spPr>
+          <a:xfrm>
+            <a:off x="594852" y="1091708"/>
+            <a:ext cx="13642258" cy="1307363"/>
+          </a:xfrm>
+          <a:prstGeom prst="rect">
+            <a:avLst/>
+          </a:prstGeom>
+          <a:solidFill>
+            <a:schemeClr val="bg1"/>
+          </a:solidFill>
+          <a:ln w="76200">
+            <a:solidFill>
+              <a:schemeClr val="accent1"/>
+            </a:solidFill>
+          </a:ln>
+        </p:spPr>
+        <p:style>
+          <a:lnRef idx="0">
+            <a:schemeClr val="accent1"/>
+          </a:lnRef>
+          <a:fillRef idx="1">
+            <a:schemeClr val="accent1"/>
+          </a:fillRef>
+          <a:effectRef idx="0">
+            <a:schemeClr val="accent1"/>
+          </a:effectRef>
+          <a:fontRef idx="minor">
+            <a:schemeClr val="lt1"/>
+          </a:fontRef>
+        </p:style>
+        <p:txBody>
+          <a:bodyPr rtlCol="0" anchor="ctr"/>
+          <a:lstStyle/>
+          <a:p>
+            <a:pPr algn="ctr"/>
+            <a:r>
+              <a:rPr lang="en-GB" sz="4400" dirty="0">
+                <a:solidFill>
+                  <a:schemeClr val="tx1"/>
+                </a:solidFill>
+                <a:latin typeface="GT Walsheim Pro Bold" panose="00000800000000000000" pitchFamily="50" charset="0"/>
+              </a:rPr>
+              <a:t>DXC Digital Explorer Content Pack #3 Released</a:t>
+            </a:r>
+            <a:endParaRPr lang="en-GB" dirty="0">
+              <a:solidFill>
+                <a:schemeClr val="tx1"/>
+              </a:solidFill>
+              <a:latin typeface="GT Walsheim Pro Bold" panose="00000800000000000000" pitchFamily="50" charset="0"/>
+            </a:endParaRPr>
+          </a:p>
+        </p:txBody>
+      </p:sp>
+    </p:spTree>
+    <p:extLst>
+      <p:ext uri="{BB962C8B-B14F-4D97-AF65-F5344CB8AC3E}">
+        <p14:creationId xmlns:p14="http://schemas.microsoft.com/office/powerpoint/2010/main" val="4094756313"/>
       </p:ext>
     </p:extLst>
   </p:cSld>
